--- a/machin learning s1.pptx
+++ b/machin learning s1.pptx
@@ -5354,29 +5354,183 @@
           </a:p>
         </p:txBody>
       </p:sp>
-      <p:sp>
-        <p:nvSpPr>
-          <p:cNvPr id="3" name="Content Placeholder 2">
+      <p:pic>
+        <p:nvPicPr>
+          <p:cNvPr id="1026" name="Picture 2" descr="supervisedVSunsupervised">
             <a:extLst>
               <a:ext uri="{FF2B5EF4-FFF2-40B4-BE49-F238E27FC236}">
-                <a16:creationId xmlns:a16="http://schemas.microsoft.com/office/drawing/2014/main" id="{CBBE237B-3027-D580-2E3F-056FC45DE4B8}"/>
+                <a16:creationId xmlns:a16="http://schemas.microsoft.com/office/drawing/2014/main" id="{D2A14B2B-3910-C47E-3B4E-8C25ED42D859}"/>
               </a:ext>
             </a:extLst>
           </p:cNvPr>
-          <p:cNvSpPr>
-            <a:spLocks noGrp="1"/>
-          </p:cNvSpPr>
+          <p:cNvPicPr>
+            <a:picLocks noGrp="1" noChangeAspect="1" noChangeArrowheads="1"/>
+          </p:cNvPicPr>
           <p:nvPr>
             <p:ph idx="1"/>
           </p:nvPr>
-        </p:nvSpPr>
-        <p:spPr/>
-        <p:txBody>
-          <a:bodyPr/>
+        </p:nvPicPr>
+        <p:blipFill>
+          <a:blip r:embed="rId2">
+            <a:extLst>
+              <a:ext uri="{28A0092B-C50C-407E-A947-70E740481C1C}">
+                <a14:useLocalDpi xmlns:a14="http://schemas.microsoft.com/office/drawing/2010/main" val="0"/>
+              </a:ext>
+            </a:extLst>
+          </a:blip>
+          <a:srcRect/>
+          <a:stretch>
+            <a:fillRect/>
+          </a:stretch>
+        </p:blipFill>
+        <p:spPr bwMode="auto">
+          <a:xfrm>
+            <a:off x="704583" y="1816242"/>
+            <a:ext cx="3996726" cy="2626449"/>
+          </a:xfrm>
+          <a:prstGeom prst="rect">
+            <a:avLst/>
+          </a:prstGeom>
+          <a:noFill/>
+          <a:extLst>
+            <a:ext uri="{909E8E84-426E-40DD-AFC4-6F175D3DCCD1}">
+              <a14:hiddenFill xmlns:a14="http://schemas.microsoft.com/office/drawing/2010/main">
+                <a:solidFill>
+                  <a:srgbClr val="FFFFFF"/>
+                </a:solidFill>
+              </a14:hiddenFill>
+            </a:ext>
+          </a:extLst>
+        </p:spPr>
+      </p:pic>
+      <p:sp>
+        <p:nvSpPr>
+          <p:cNvPr id="4" name="TextBox 3">
+            <a:extLst>
+              <a:ext uri="{FF2B5EF4-FFF2-40B4-BE49-F238E27FC236}">
+                <a16:creationId xmlns:a16="http://schemas.microsoft.com/office/drawing/2014/main" id="{6505EECE-3F57-A596-C5E0-CBE3AE8D3560}"/>
+              </a:ext>
+            </a:extLst>
+          </p:cNvPr>
+          <p:cNvSpPr txBox="1"/>
+          <p:nvPr/>
+        </p:nvSpPr>
+        <p:spPr>
+          <a:xfrm>
+            <a:off x="4830617" y="1816242"/>
+            <a:ext cx="7222837" cy="2585323"/>
+          </a:xfrm>
+          <a:prstGeom prst="rect">
+            <a:avLst/>
+          </a:prstGeom>
+          <a:noFill/>
+        </p:spPr>
+        <p:txBody>
+          <a:bodyPr wrap="square" rtlCol="0">
+            <a:spAutoFit/>
+          </a:bodyPr>
           <a:lstStyle/>
           <a:p>
             <a:pPr algn="r" rtl="1"/>
-            <a:endParaRPr lang="en-US" dirty="0"/>
+            <a:r>
+              <a:rPr lang="fa-IR" dirty="0">
+                <a:solidFill>
+                  <a:schemeClr val="bg1"/>
+                </a:solidFill>
+              </a:rPr>
+              <a:t>تصویر سمت چپ :یاد گیری بدون نظارت ( بدون دخالت انسان ) </a:t>
+            </a:r>
+          </a:p>
+          <a:p>
+            <a:pPr algn="r" rtl="1"/>
+            <a:r>
+              <a:rPr lang="fa-IR" dirty="0">
+                <a:solidFill>
+                  <a:schemeClr val="bg1"/>
+                </a:solidFill>
+              </a:rPr>
+              <a:t>تصویر سمت راست : یادگیری با نظارت ( برچسب ها ) </a:t>
+            </a:r>
+          </a:p>
+          <a:p>
+            <a:pPr algn="r" rtl="1"/>
+            <a:r>
+              <a:rPr lang="fa-IR" dirty="0">
+                <a:solidFill>
+                  <a:schemeClr val="bg1"/>
+                </a:solidFill>
+              </a:rPr>
+              <a:t>الگوریتم‌های یادگیری ماشین بی‌نظارت، که در آن مدل بدون دخالت انسان و با داده‌های بدون برچسب، الگوهای پنهان بین داده‌ها را پیدا می‌کند، به طور کلی به سه دسته خوشه‌بندی </a:t>
+            </a:r>
+            <a:r>
+              <a:rPr lang="en-US" dirty="0">
+                <a:solidFill>
+                  <a:schemeClr val="bg1"/>
+                </a:solidFill>
+              </a:rPr>
+              <a:t>(clustering)، </a:t>
+            </a:r>
+            <a:r>
+              <a:rPr lang="fa-IR" dirty="0">
+                <a:solidFill>
+                  <a:schemeClr val="bg1"/>
+                </a:solidFill>
+              </a:rPr>
+              <a:t>کاهش ابعاد </a:t>
+            </a:r>
+            <a:r>
+              <a:rPr lang="en-US" dirty="0">
+                <a:solidFill>
+                  <a:schemeClr val="bg1"/>
+                </a:solidFill>
+              </a:rPr>
+              <a:t>(dimensionality reduction) </a:t>
+            </a:r>
+            <a:r>
+              <a:rPr lang="fa-IR" dirty="0">
+                <a:solidFill>
+                  <a:schemeClr val="bg1"/>
+                </a:solidFill>
+              </a:rPr>
+              <a:t>و استخراج قانون وابستگی </a:t>
+            </a:r>
+            <a:r>
+              <a:rPr lang="en-US" dirty="0">
+                <a:solidFill>
+                  <a:schemeClr val="bg1"/>
+                </a:solidFill>
+              </a:rPr>
+              <a:t>(association rule mining) </a:t>
+            </a:r>
+            <a:r>
+              <a:rPr lang="fa-IR" dirty="0">
+                <a:solidFill>
+                  <a:schemeClr val="bg1"/>
+                </a:solidFill>
+              </a:rPr>
+              <a:t>تقسیم‌بندی می‌شود. روش‌های یادگیری ماشین بی‌نظارت بسیار زیادی وجود دارند که می‌توان از آن‌ها برای پیدا کردن الگوهای پنهان و نتایج مفید استفاده کرد. اما نکته مهم این است که یک دانشمند علم داده، زمینه کاری مسئله </a:t>
+            </a:r>
+            <a:r>
+              <a:rPr lang="en-US" dirty="0">
+                <a:solidFill>
+                  <a:schemeClr val="bg1"/>
+                </a:solidFill>
+              </a:rPr>
+              <a:t>(problem domain) </a:t>
+            </a:r>
+            <a:r>
+              <a:rPr lang="fa-IR" dirty="0">
+                <a:solidFill>
+                  <a:schemeClr val="bg1"/>
+                </a:solidFill>
+              </a:rPr>
+              <a:t>خود را به خوبی بشناسد و بتواند الگوریتم درست را انتخاب کند.</a:t>
+            </a:r>
+            <a:endParaRPr lang="en-US" dirty="0">
+              <a:solidFill>
+                <a:schemeClr val="bg1"/>
+              </a:solidFill>
+            </a:endParaRPr>
           </a:p>
         </p:txBody>
       </p:sp>

--- a/machin learning s1.pptx
+++ b/machin learning s1.pptx
@@ -14,6 +14,9 @@
     <p:sldId id="262" r:id="rId8"/>
     <p:sldId id="263" r:id="rId9"/>
     <p:sldId id="264" r:id="rId10"/>
+    <p:sldId id="265" r:id="rId11"/>
+    <p:sldId id="266" r:id="rId12"/>
+    <p:sldId id="267" r:id="rId13"/>
   </p:sldIdLst>
   <p:sldSz cx="12192000" cy="6858000"/>
   <p:notesSz cx="6858000" cy="9144000"/>
@@ -3689,6 +3692,403 @@
     <p:extLst>
       <p:ext uri="{BB962C8B-B14F-4D97-AF65-F5344CB8AC3E}">
         <p14:creationId xmlns:p14="http://schemas.microsoft.com/office/powerpoint/2010/main" val="1907811285"/>
+      </p:ext>
+    </p:extLst>
+  </p:cSld>
+  <p:clrMapOvr>
+    <a:masterClrMapping/>
+  </p:clrMapOvr>
+</p:sld>
+</file>
+
+<file path=ppt/slides/slide10.xml><?xml version="1.0" encoding="utf-8"?>
+<p:sld xmlns:a="http://schemas.openxmlformats.org/drawingml/2006/main" xmlns:r="http://schemas.openxmlformats.org/officeDocument/2006/relationships" xmlns:p="http://schemas.openxmlformats.org/presentationml/2006/main">
+  <p:cSld>
+    <p:spTree>
+      <p:nvGrpSpPr>
+        <p:cNvPr id="1" name=""/>
+        <p:cNvGrpSpPr/>
+        <p:nvPr/>
+      </p:nvGrpSpPr>
+      <p:grpSpPr>
+        <a:xfrm>
+          <a:off x="0" y="0"/>
+          <a:ext cx="0" cy="0"/>
+          <a:chOff x="0" y="0"/>
+          <a:chExt cx="0" cy="0"/>
+        </a:xfrm>
+      </p:grpSpPr>
+      <p:sp>
+        <p:nvSpPr>
+          <p:cNvPr id="2" name="Title 1">
+            <a:extLst>
+              <a:ext uri="{FF2B5EF4-FFF2-40B4-BE49-F238E27FC236}">
+                <a16:creationId xmlns:a16="http://schemas.microsoft.com/office/drawing/2014/main" id="{1304967F-1B1B-A33C-A6F1-6469A51A34E1}"/>
+              </a:ext>
+            </a:extLst>
+          </p:cNvPr>
+          <p:cNvSpPr>
+            <a:spLocks noGrp="1"/>
+          </p:cNvSpPr>
+          <p:nvPr>
+            <p:ph type="title"/>
+          </p:nvPr>
+        </p:nvSpPr>
+        <p:spPr/>
+        <p:txBody>
+          <a:bodyPr/>
+          <a:lstStyle/>
+          <a:p>
+            <a:r>
+              <a:rPr lang="fa-IR" dirty="0"/>
+              <a:t>یادگیری بدون نظارت </a:t>
+            </a:r>
+            <a:r>
+              <a:rPr lang="fa-IR" sz="2400" dirty="0"/>
+              <a:t>(خوشه بندی)</a:t>
+            </a:r>
+            <a:endParaRPr lang="en-US" dirty="0"/>
+          </a:p>
+        </p:txBody>
+      </p:sp>
+      <p:sp>
+        <p:nvSpPr>
+          <p:cNvPr id="3" name="Content Placeholder 2">
+            <a:extLst>
+              <a:ext uri="{FF2B5EF4-FFF2-40B4-BE49-F238E27FC236}">
+                <a16:creationId xmlns:a16="http://schemas.microsoft.com/office/drawing/2014/main" id="{75A5EEAF-BC51-24A5-8BF9-267D66DD7DF3}"/>
+              </a:ext>
+            </a:extLst>
+          </p:cNvPr>
+          <p:cNvSpPr>
+            <a:spLocks noGrp="1"/>
+          </p:cNvSpPr>
+          <p:nvPr>
+            <p:ph idx="1"/>
+          </p:nvPr>
+        </p:nvSpPr>
+        <p:spPr/>
+        <p:txBody>
+          <a:bodyPr>
+            <a:normAutofit/>
+          </a:bodyPr>
+          <a:lstStyle/>
+          <a:p>
+            <a:pPr algn="r" rtl="1"/>
+            <a:r>
+              <a:rPr lang="fa-IR" sz="2400" b="0" i="0" dirty="0">
+                <a:effectLst/>
+                <a:latin typeface="IRANYekan"/>
+              </a:rPr>
+              <a:t>خوشه‌بندی به معنی دسته‌بندی اتوماتیک داده‌ها به خوشه‌های همگن است، به این صورت که داده‌های هر خوشه، ویژگی‌های یکسانی داشته باشند. اولین گام برای خوشه‌بندی داده‌ها، انتخاب کردن معیاری برای خوشه‌بندی است؛ به عبارت دیگر در این گام باید معیاری برای سنجش فاصله بین داده‌ها انتخاب کنیم. همه ما با </a:t>
+            </a:r>
+            <a:r>
+              <a:rPr lang="fa-IR" sz="2400" b="0" i="0" u="none" strike="noStrike" dirty="0">
+                <a:effectLst/>
+                <a:latin typeface="IRANYekan"/>
+              </a:rPr>
+              <a:t>فاصله اقلیدوسی </a:t>
+            </a:r>
+            <a:r>
+              <a:rPr lang="fa-IR" sz="2400" b="0" i="0" dirty="0">
+                <a:effectLst/>
+                <a:latin typeface="IRANYekan"/>
+              </a:rPr>
+              <a:t>آشنا هستیم؛ فاصله اقلیدسی یکی از پرکاربرد‌ترین معیار‌های سنجش فاصله است، ولی لازم است بدانیم که معیار مناسب برای فاصله، تنها به فاصله اقلیدسی محدود نمی‌شود.</a:t>
+            </a:r>
+          </a:p>
+          <a:p>
+            <a:pPr algn="r" rtl="1"/>
+            <a:r>
+              <a:rPr lang="fa-IR" sz="2400" b="0" i="0" dirty="0">
+                <a:effectLst/>
+                <a:latin typeface="IRANYekan"/>
+              </a:rPr>
+              <a:t>به عنوان مثال عکس پایین نمونه‌ای از خوشه‌بندی است که داده‌ها را بر اساس معیار فاصله اقلیدسی به ۳ دسته ‌خوشه‌بندی کرده‌ایم.</a:t>
+            </a:r>
+          </a:p>
+          <a:p>
+            <a:pPr algn="r" rtl="1"/>
+            <a:endParaRPr lang="en-US" sz="2400" dirty="0"/>
+          </a:p>
+        </p:txBody>
+      </p:sp>
+      <p:pic>
+        <p:nvPicPr>
+          <p:cNvPr id="1026" name="Picture 2" descr="clustering">
+            <a:extLst>
+              <a:ext uri="{FF2B5EF4-FFF2-40B4-BE49-F238E27FC236}">
+                <a16:creationId xmlns:a16="http://schemas.microsoft.com/office/drawing/2014/main" id="{F4F431F4-F747-1122-46FA-99B577A4EF80}"/>
+              </a:ext>
+            </a:extLst>
+          </p:cNvPr>
+          <p:cNvPicPr>
+            <a:picLocks noChangeAspect="1" noChangeArrowheads="1"/>
+          </p:cNvPicPr>
+          <p:nvPr/>
+        </p:nvPicPr>
+        <p:blipFill>
+          <a:blip r:embed="rId2">
+            <a:extLst>
+              <a:ext uri="{28A0092B-C50C-407E-A947-70E740481C1C}">
+                <a14:useLocalDpi xmlns:a14="http://schemas.microsoft.com/office/drawing/2010/main" val="0"/>
+              </a:ext>
+            </a:extLst>
+          </a:blip>
+          <a:srcRect/>
+          <a:stretch>
+            <a:fillRect/>
+          </a:stretch>
+        </p:blipFill>
+        <p:spPr bwMode="auto">
+          <a:xfrm>
+            <a:off x="829541" y="4290871"/>
+            <a:ext cx="4749223" cy="2385866"/>
+          </a:xfrm>
+          <a:prstGeom prst="rect">
+            <a:avLst/>
+          </a:prstGeom>
+          <a:noFill/>
+          <a:extLst>
+            <a:ext uri="{909E8E84-426E-40DD-AFC4-6F175D3DCCD1}">
+              <a14:hiddenFill xmlns:a14="http://schemas.microsoft.com/office/drawing/2010/main">
+                <a:solidFill>
+                  <a:srgbClr val="FFFFFF"/>
+                </a:solidFill>
+              </a14:hiddenFill>
+            </a:ext>
+          </a:extLst>
+        </p:spPr>
+      </p:pic>
+    </p:spTree>
+    <p:extLst>
+      <p:ext uri="{BB962C8B-B14F-4D97-AF65-F5344CB8AC3E}">
+        <p14:creationId xmlns:p14="http://schemas.microsoft.com/office/powerpoint/2010/main" val="505722021"/>
+      </p:ext>
+    </p:extLst>
+  </p:cSld>
+  <p:clrMapOvr>
+    <a:masterClrMapping/>
+  </p:clrMapOvr>
+</p:sld>
+</file>
+
+<file path=ppt/slides/slide11.xml><?xml version="1.0" encoding="utf-8"?>
+<p:sld xmlns:a="http://schemas.openxmlformats.org/drawingml/2006/main" xmlns:r="http://schemas.openxmlformats.org/officeDocument/2006/relationships" xmlns:p="http://schemas.openxmlformats.org/presentationml/2006/main">
+  <p:cSld>
+    <p:spTree>
+      <p:nvGrpSpPr>
+        <p:cNvPr id="1" name=""/>
+        <p:cNvGrpSpPr/>
+        <p:nvPr/>
+      </p:nvGrpSpPr>
+      <p:grpSpPr>
+        <a:xfrm>
+          <a:off x="0" y="0"/>
+          <a:ext cx="0" cy="0"/>
+          <a:chOff x="0" y="0"/>
+          <a:chExt cx="0" cy="0"/>
+        </a:xfrm>
+      </p:grpSpPr>
+      <p:sp>
+        <p:nvSpPr>
+          <p:cNvPr id="2" name="Title 1">
+            <a:extLst>
+              <a:ext uri="{FF2B5EF4-FFF2-40B4-BE49-F238E27FC236}">
+                <a16:creationId xmlns:a16="http://schemas.microsoft.com/office/drawing/2014/main" id="{BA81F410-AF98-FCD9-40F4-E239A20D10A4}"/>
+              </a:ext>
+            </a:extLst>
+          </p:cNvPr>
+          <p:cNvSpPr>
+            <a:spLocks noGrp="1"/>
+          </p:cNvSpPr>
+          <p:nvPr>
+            <p:ph type="title"/>
+          </p:nvPr>
+        </p:nvSpPr>
+        <p:spPr/>
+        <p:txBody>
+          <a:bodyPr/>
+          <a:lstStyle/>
+          <a:p>
+            <a:r>
+              <a:rPr lang="fa-IR" dirty="0"/>
+              <a:t>یادگیری بدون نظارت </a:t>
+            </a:r>
+            <a:r>
+              <a:rPr lang="fa-IR" sz="2400" dirty="0"/>
+              <a:t>(کاهش ابعاد)</a:t>
+            </a:r>
+            <a:endParaRPr lang="en-US" dirty="0"/>
+          </a:p>
+        </p:txBody>
+      </p:sp>
+      <p:sp>
+        <p:nvSpPr>
+          <p:cNvPr id="3" name="Content Placeholder 2">
+            <a:extLst>
+              <a:ext uri="{FF2B5EF4-FFF2-40B4-BE49-F238E27FC236}">
+                <a16:creationId xmlns:a16="http://schemas.microsoft.com/office/drawing/2014/main" id="{D406E128-304A-8120-E926-69B8388B5779}"/>
+              </a:ext>
+            </a:extLst>
+          </p:cNvPr>
+          <p:cNvSpPr>
+            <a:spLocks noGrp="1"/>
+          </p:cNvSpPr>
+          <p:nvPr>
+            <p:ph idx="1"/>
+          </p:nvPr>
+        </p:nvSpPr>
+        <p:spPr/>
+        <p:txBody>
+          <a:bodyPr>
+            <a:normAutofit/>
+          </a:bodyPr>
+          <a:lstStyle/>
+          <a:p>
+            <a:pPr algn="r" rtl="1"/>
+            <a:r>
+              <a:rPr lang="fa-IR" sz="2400" b="0" i="0" dirty="0">
+                <a:effectLst/>
+                <a:latin typeface="IRANYekan"/>
+              </a:rPr>
+              <a:t>در ساده ترین حالت، روش کاهش ابعاد یعنی کاهش دادن تعداد ویژگی‌هایی که از آن‌ها برای آموزش مدل یادگیری ماشین خود استفاده می‌کنیم. به طور مثال، کاهش دادن تعداد ستون‌های یک دیتاست جدولی، حالتی از کاهش ابعاد است</a:t>
+            </a:r>
+            <a:endParaRPr lang="en-US" sz="2400" dirty="0"/>
+          </a:p>
+        </p:txBody>
+      </p:sp>
+      <p:pic>
+        <p:nvPicPr>
+          <p:cNvPr id="2050" name="Picture 2" descr="the curse of dimensionality">
+            <a:extLst>
+              <a:ext uri="{FF2B5EF4-FFF2-40B4-BE49-F238E27FC236}">
+                <a16:creationId xmlns:a16="http://schemas.microsoft.com/office/drawing/2014/main" id="{ED18E14C-5CF9-406E-3976-243B896D3438}"/>
+              </a:ext>
+            </a:extLst>
+          </p:cNvPr>
+          <p:cNvPicPr>
+            <a:picLocks noChangeAspect="1" noChangeArrowheads="1"/>
+          </p:cNvPicPr>
+          <p:nvPr/>
+        </p:nvPicPr>
+        <p:blipFill>
+          <a:blip r:embed="rId2">
+            <a:extLst>
+              <a:ext uri="{28A0092B-C50C-407E-A947-70E740481C1C}">
+                <a14:useLocalDpi xmlns:a14="http://schemas.microsoft.com/office/drawing/2010/main" val="0"/>
+              </a:ext>
+            </a:extLst>
+          </a:blip>
+          <a:srcRect/>
+          <a:stretch>
+            <a:fillRect/>
+          </a:stretch>
+        </p:blipFill>
+        <p:spPr bwMode="auto">
+          <a:xfrm>
+            <a:off x="1117889" y="3429000"/>
+            <a:ext cx="4857750" cy="3105150"/>
+          </a:xfrm>
+          <a:prstGeom prst="rect">
+            <a:avLst/>
+          </a:prstGeom>
+          <a:noFill/>
+          <a:extLst>
+            <a:ext uri="{909E8E84-426E-40DD-AFC4-6F175D3DCCD1}">
+              <a14:hiddenFill xmlns:a14="http://schemas.microsoft.com/office/drawing/2010/main">
+                <a:solidFill>
+                  <a:srgbClr val="FFFFFF"/>
+                </a:solidFill>
+              </a14:hiddenFill>
+            </a:ext>
+          </a:extLst>
+        </p:spPr>
+      </p:pic>
+    </p:spTree>
+    <p:extLst>
+      <p:ext uri="{BB962C8B-B14F-4D97-AF65-F5344CB8AC3E}">
+        <p14:creationId xmlns:p14="http://schemas.microsoft.com/office/powerpoint/2010/main" val="1447008551"/>
+      </p:ext>
+    </p:extLst>
+  </p:cSld>
+  <p:clrMapOvr>
+    <a:masterClrMapping/>
+  </p:clrMapOvr>
+</p:sld>
+</file>
+
+<file path=ppt/slides/slide12.xml><?xml version="1.0" encoding="utf-8"?>
+<p:sld xmlns:a="http://schemas.openxmlformats.org/drawingml/2006/main" xmlns:r="http://schemas.openxmlformats.org/officeDocument/2006/relationships" xmlns:p="http://schemas.openxmlformats.org/presentationml/2006/main">
+  <p:cSld>
+    <p:spTree>
+      <p:nvGrpSpPr>
+        <p:cNvPr id="1" name=""/>
+        <p:cNvGrpSpPr/>
+        <p:nvPr/>
+      </p:nvGrpSpPr>
+      <p:grpSpPr>
+        <a:xfrm>
+          <a:off x="0" y="0"/>
+          <a:ext cx="0" cy="0"/>
+          <a:chOff x="0" y="0"/>
+          <a:chExt cx="0" cy="0"/>
+        </a:xfrm>
+      </p:grpSpPr>
+      <p:sp>
+        <p:nvSpPr>
+          <p:cNvPr id="2" name="Title 1">
+            <a:extLst>
+              <a:ext uri="{FF2B5EF4-FFF2-40B4-BE49-F238E27FC236}">
+                <a16:creationId xmlns:a16="http://schemas.microsoft.com/office/drawing/2014/main" id="{6F2F7F6F-C361-FFF5-A1F9-57E624FC7391}"/>
+              </a:ext>
+            </a:extLst>
+          </p:cNvPr>
+          <p:cNvSpPr>
+            <a:spLocks noGrp="1"/>
+          </p:cNvSpPr>
+          <p:nvPr>
+            <p:ph type="title"/>
+          </p:nvPr>
+        </p:nvSpPr>
+        <p:spPr/>
+        <p:txBody>
+          <a:bodyPr/>
+          <a:lstStyle/>
+          <a:p>
+            <a:endParaRPr lang="en-US"/>
+          </a:p>
+        </p:txBody>
+      </p:sp>
+      <p:sp>
+        <p:nvSpPr>
+          <p:cNvPr id="3" name="Content Placeholder 2">
+            <a:extLst>
+              <a:ext uri="{FF2B5EF4-FFF2-40B4-BE49-F238E27FC236}">
+                <a16:creationId xmlns:a16="http://schemas.microsoft.com/office/drawing/2014/main" id="{3D937F04-0C7F-B737-E7AD-4E381BE20060}"/>
+              </a:ext>
+            </a:extLst>
+          </p:cNvPr>
+          <p:cNvSpPr>
+            <a:spLocks noGrp="1"/>
+          </p:cNvSpPr>
+          <p:nvPr>
+            <p:ph idx="1"/>
+          </p:nvPr>
+        </p:nvSpPr>
+        <p:spPr/>
+        <p:txBody>
+          <a:bodyPr/>
+          <a:lstStyle/>
+          <a:p>
+            <a:endParaRPr lang="en-US"/>
+          </a:p>
+        </p:txBody>
+      </p:sp>
+    </p:spTree>
+    <p:extLst>
+      <p:ext uri="{BB962C8B-B14F-4D97-AF65-F5344CB8AC3E}">
+        <p14:creationId xmlns:p14="http://schemas.microsoft.com/office/powerpoint/2010/main" val="642179663"/>
       </p:ext>
     </p:extLst>
   </p:cSld>

--- a/machin learning s1.pptx
+++ b/machin learning s1.pptx
@@ -17,6 +17,7 @@
     <p:sldId id="265" r:id="rId11"/>
     <p:sldId id="266" r:id="rId12"/>
     <p:sldId id="267" r:id="rId13"/>
+    <p:sldId id="268" r:id="rId14"/>
   </p:sldIdLst>
   <p:sldSz cx="12192000" cy="6858000"/>
   <p:notesSz cx="6858000" cy="9144000"/>
@@ -123,6 +124,65 @@
 </p:presentation>
 </file>
 
+<file path=ppt/ink/ink1.xml><?xml version="1.0" encoding="utf-8"?>
+<inkml:ink xmlns:inkml="http://www.w3.org/2003/InkML">
+  <inkml:definitions>
+    <inkml:context xml:id="ctx0">
+      <inkml:inkSource xml:id="inkSrc0">
+        <inkml:traceFormat>
+          <inkml:channel name="X" type="integer" min="-2.14748E9" max="2.14748E9" units="cm"/>
+          <inkml:channel name="Y" type="integer" min="-2.14748E9" max="2.14748E9" units="cm"/>
+        </inkml:traceFormat>
+        <inkml:channelProperties>
+          <inkml:channelProperty channel="X" name="resolution" value="1000" units="1/cm"/>
+          <inkml:channelProperty channel="Y" name="resolution" value="1000" units="1/cm"/>
+        </inkml:channelProperties>
+      </inkml:inkSource>
+      <inkml:timestamp xml:id="ts0" timeString="2024-03-26T09:20:09.122"/>
+    </inkml:context>
+    <inkml:brush xml:id="br0">
+      <inkml:brushProperty name="width" value="0.3" units="cm"/>
+      <inkml:brushProperty name="height" value="0.6" units="cm"/>
+      <inkml:brushProperty name="color" value="#FFFC00"/>
+      <inkml:brushProperty name="tip" value="rectangle"/>
+      <inkml:brushProperty name="rasterOp" value="maskPen"/>
+      <inkml:brushProperty name="ignorePressure" value="1"/>
+    </inkml:brush>
+  </inkml:definitions>
+  <inkml:trace contextRef="#ctx0" brushRef="#br0">1 0,'0'0</inkml:trace>
+</inkml:ink>
+</file>
+
+<file path=ppt/ink/ink2.xml><?xml version="1.0" encoding="utf-8"?>
+<inkml:ink xmlns:inkml="http://www.w3.org/2003/InkML">
+  <inkml:definitions>
+    <inkml:context xml:id="ctx0">
+      <inkml:inkSource xml:id="inkSrc0">
+        <inkml:traceFormat>
+          <inkml:channel name="X" type="integer" min="-2.14748E9" max="2.14748E9" units="cm"/>
+          <inkml:channel name="Y" type="integer" min="-2.14748E9" max="2.14748E9" units="cm"/>
+        </inkml:traceFormat>
+        <inkml:channelProperties>
+          <inkml:channelProperty channel="X" name="resolution" value="1000" units="1/cm"/>
+          <inkml:channelProperty channel="Y" name="resolution" value="1000" units="1/cm"/>
+        </inkml:channelProperties>
+      </inkml:inkSource>
+      <inkml:timestamp xml:id="ts0" timeString="2024-03-26T09:20:09.512"/>
+    </inkml:context>
+    <inkml:brush xml:id="br0">
+      <inkml:brushProperty name="width" value="0.3" units="cm"/>
+      <inkml:brushProperty name="height" value="0.6" units="cm"/>
+      <inkml:brushProperty name="color" value="#FFFC00"/>
+      <inkml:brushProperty name="tip" value="rectangle"/>
+      <inkml:brushProperty name="rasterOp" value="maskPen"/>
+      <inkml:brushProperty name="ignorePressure" value="1"/>
+    </inkml:brush>
+  </inkml:definitions>
+  <inkml:trace contextRef="#ctx0" brushRef="#br0">1 0,'0'0</inkml:trace>
+  <inkml:trace contextRef="#ctx0" brushRef="#br0" timeOffset="1">1 0,'0'0</inkml:trace>
+</inkml:ink>
+</file>
+
 <file path=ppt/slideLayouts/slideLayout1.xml><?xml version="1.0" encoding="utf-8"?>
 <p:sldLayout xmlns:a="http://schemas.openxmlformats.org/drawingml/2006/main" xmlns:r="http://schemas.openxmlformats.org/officeDocument/2006/relationships" xmlns:p="http://schemas.openxmlformats.org/presentationml/2006/main" type="title" preserve="1">
   <p:cSld name="Title Slide">
@@ -342,7 +402,7 @@
           <a:p>
             <a:fld id="{8F80C92E-B5B7-4E1E-A208-4E4E77EB1A96}" type="datetimeFigureOut">
               <a:rPr lang="en-US" smtClean="0"/>
-              <a:t>3/25/2024</a:t>
+              <a:t>3/26/2024</a:t>
             </a:fld>
             <a:endParaRPr lang="en-US"/>
           </a:p>
@@ -597,7 +657,7 @@
           <a:p>
             <a:fld id="{8F80C92E-B5B7-4E1E-A208-4E4E77EB1A96}" type="datetimeFigureOut">
               <a:rPr lang="en-US" smtClean="0"/>
-              <a:t>3/25/2024</a:t>
+              <a:t>3/26/2024</a:t>
             </a:fld>
             <a:endParaRPr lang="en-US"/>
           </a:p>
@@ -765,7 +825,7 @@
           <a:p>
             <a:fld id="{8F80C92E-B5B7-4E1E-A208-4E4E77EB1A96}" type="datetimeFigureOut">
               <a:rPr lang="en-US" smtClean="0"/>
-              <a:t>3/25/2024</a:t>
+              <a:t>3/26/2024</a:t>
             </a:fld>
             <a:endParaRPr lang="en-US"/>
           </a:p>
@@ -943,7 +1003,7 @@
           <a:p>
             <a:fld id="{8F80C92E-B5B7-4E1E-A208-4E4E77EB1A96}" type="datetimeFigureOut">
               <a:rPr lang="en-US" smtClean="0"/>
-              <a:t>3/25/2024</a:t>
+              <a:t>3/26/2024</a:t>
             </a:fld>
             <a:endParaRPr lang="en-US"/>
           </a:p>
@@ -1225,7 +1285,7 @@
           <a:p>
             <a:fld id="{8F80C92E-B5B7-4E1E-A208-4E4E77EB1A96}" type="datetimeFigureOut">
               <a:rPr lang="en-US" smtClean="0"/>
-              <a:t>3/25/2024</a:t>
+              <a:t>3/26/2024</a:t>
             </a:fld>
             <a:endParaRPr lang="en-US"/>
           </a:p>
@@ -1472,7 +1532,7 @@
           <a:p>
             <a:fld id="{8F80C92E-B5B7-4E1E-A208-4E4E77EB1A96}" type="datetimeFigureOut">
               <a:rPr lang="en-US" smtClean="0"/>
-              <a:t>3/25/2024</a:t>
+              <a:t>3/26/2024</a:t>
             </a:fld>
             <a:endParaRPr lang="en-US"/>
           </a:p>
@@ -1717,7 +1777,7 @@
           <a:p>
             <a:fld id="{8F80C92E-B5B7-4E1E-A208-4E4E77EB1A96}" type="datetimeFigureOut">
               <a:rPr lang="en-US" smtClean="0"/>
-              <a:t>3/25/2024</a:t>
+              <a:t>3/26/2024</a:t>
             </a:fld>
             <a:endParaRPr lang="en-US"/>
           </a:p>
@@ -2002,7 +2062,7 @@
           <a:p>
             <a:fld id="{8F80C92E-B5B7-4E1E-A208-4E4E77EB1A96}" type="datetimeFigureOut">
               <a:rPr lang="en-US" smtClean="0"/>
-              <a:t>3/25/2024</a:t>
+              <a:t>3/26/2024</a:t>
             </a:fld>
             <a:endParaRPr lang="en-US"/>
           </a:p>
@@ -2490,7 +2550,7 @@
           <a:p>
             <a:fld id="{8F80C92E-B5B7-4E1E-A208-4E4E77EB1A96}" type="datetimeFigureOut">
               <a:rPr lang="en-US" smtClean="0"/>
-              <a:t>3/25/2024</a:t>
+              <a:t>3/26/2024</a:t>
             </a:fld>
             <a:endParaRPr lang="en-US"/>
           </a:p>
@@ -2607,7 +2667,7 @@
           <a:p>
             <a:fld id="{8F80C92E-B5B7-4E1E-A208-4E4E77EB1A96}" type="datetimeFigureOut">
               <a:rPr lang="en-US" smtClean="0"/>
-              <a:t>3/25/2024</a:t>
+              <a:t>3/26/2024</a:t>
             </a:fld>
             <a:endParaRPr lang="en-US"/>
           </a:p>
@@ -2702,7 +2762,7 @@
           <a:p>
             <a:fld id="{8F80C92E-B5B7-4E1E-A208-4E4E77EB1A96}" type="datetimeFigureOut">
               <a:rPr lang="en-US" smtClean="0"/>
-              <a:t>3/25/2024</a:t>
+              <a:t>3/26/2024</a:t>
             </a:fld>
             <a:endParaRPr lang="en-US"/>
           </a:p>
@@ -2977,7 +3037,7 @@
           <a:p>
             <a:fld id="{8F80C92E-B5B7-4E1E-A208-4E4E77EB1A96}" type="datetimeFigureOut">
               <a:rPr lang="en-US" smtClean="0"/>
-              <a:t>3/25/2024</a:t>
+              <a:t>3/26/2024</a:t>
             </a:fld>
             <a:endParaRPr lang="en-US"/>
           </a:p>
@@ -3197,7 +3257,7 @@
           <a:p>
             <a:fld id="{8F80C92E-B5B7-4E1E-A208-4E4E77EB1A96}" type="datetimeFigureOut">
               <a:rPr lang="en-US" smtClean="0"/>
-              <a:t>3/25/2024</a:t>
+              <a:t>3/26/2024</a:t>
             </a:fld>
             <a:endParaRPr lang="en-US"/>
           </a:p>
@@ -3684,7 +3744,53 @@
           <a:bodyPr/>
           <a:lstStyle/>
           <a:p>
-            <a:endParaRPr lang="en-US"/>
+            <a:r>
+              <a:rPr lang="fa-IR" dirty="0">
+                <a:latin typeface="Aldhabi" panose="01000000000000000000" pitchFamily="2" charset="-78"/>
+                <a:cs typeface="Aldhabi" panose="01000000000000000000" pitchFamily="2" charset="-78"/>
+              </a:rPr>
+              <a:t>کاری از : آرمین قاجاری</a:t>
+            </a:r>
+            <a:endParaRPr lang="en-US" dirty="0">
+              <a:latin typeface="Aldhabi" panose="01000000000000000000" pitchFamily="2" charset="-78"/>
+              <a:cs typeface="Aldhabi" panose="01000000000000000000" pitchFamily="2" charset="-78"/>
+            </a:endParaRPr>
+          </a:p>
+        </p:txBody>
+      </p:sp>
+      <p:sp>
+        <p:nvSpPr>
+          <p:cNvPr id="4" name="TextBox 3">
+            <a:extLst>
+              <a:ext uri="{FF2B5EF4-FFF2-40B4-BE49-F238E27FC236}">
+                <a16:creationId xmlns:a16="http://schemas.microsoft.com/office/drawing/2014/main" id="{0700BAAE-8351-6D44-0739-83C895541A65}"/>
+              </a:ext>
+            </a:extLst>
+          </p:cNvPr>
+          <p:cNvSpPr txBox="1"/>
+          <p:nvPr/>
+        </p:nvSpPr>
+        <p:spPr>
+          <a:xfrm>
+            <a:off x="6502400" y="304800"/>
+            <a:ext cx="5200073" cy="646331"/>
+          </a:xfrm>
+          <a:prstGeom prst="rect">
+            <a:avLst/>
+          </a:prstGeom>
+          <a:noFill/>
+        </p:spPr>
+        <p:txBody>
+          <a:bodyPr wrap="square" rtlCol="0">
+            <a:spAutoFit/>
+          </a:bodyPr>
+          <a:lstStyle/>
+          <a:p>
+            <a:pPr algn="ctr"/>
+            <a:r>
+              <a:rPr lang="en-US" sz="3600" dirty="0"/>
+              <a:t>In the name of god</a:t>
+            </a:r>
           </a:p>
         </p:txBody>
       </p:sp>
@@ -4056,7 +4162,11 @@
           <a:bodyPr/>
           <a:lstStyle/>
           <a:p>
-            <a:endParaRPr lang="en-US"/>
+            <a:r>
+              <a:rPr lang="fa-IR" dirty="0"/>
+              <a:t>یادگیری تقویتی</a:t>
+            </a:r>
+            <a:endParaRPr lang="en-US" dirty="0"/>
           </a:p>
         </p:txBody>
       </p:sp>
@@ -4076,19 +4186,359 @@
             <p:ph idx="1"/>
           </p:nvPr>
         </p:nvSpPr>
-        <p:spPr/>
-        <p:txBody>
-          <a:bodyPr/>
-          <a:lstStyle/>
-          <a:p>
-            <a:endParaRPr lang="en-US"/>
-          </a:p>
-        </p:txBody>
-      </p:sp>
+        <p:spPr>
+          <a:xfrm>
+            <a:off x="618284" y="1754353"/>
+            <a:ext cx="11326377" cy="4616947"/>
+          </a:xfrm>
+        </p:spPr>
+        <p:txBody>
+          <a:bodyPr>
+            <a:normAutofit/>
+          </a:bodyPr>
+          <a:lstStyle/>
+          <a:p>
+            <a:pPr algn="r" rtl="1"/>
+            <a:r>
+              <a:rPr lang="fa-IR" sz="2400" dirty="0"/>
+              <a:t>داریم در ارتباط با ساده ترین روش یادگیری یعنی آزموتن و خطا صحبت می کنیم . همه ما در کودکی با آزمون و خطا زیاد راه رفتن را یاد گرفتیم و به خوبی این مدل از یاد گیری را می توانیم درک کنیم .</a:t>
+            </a:r>
+          </a:p>
+          <a:p>
+            <a:pPr algn="r" rtl="1"/>
+            <a:r>
+              <a:rPr lang="fa-IR" sz="2400" dirty="0"/>
+              <a:t>فرض کنید شما در یک هزار تو قرار دارید ، و هربار که قدمی در راستای خروج از آن بر می دارید پاداشی به شما داده می شود و برعکس .  این کار انقدر ادامه پیدا می کند تا موفق به خروج از هزارتو شوید .</a:t>
+            </a:r>
+          </a:p>
+          <a:p>
+            <a:pPr algn="just" rtl="1">
+              <a:buFont typeface="Arial" panose="020B0604020202020204" pitchFamily="34" charset="0"/>
+              <a:buChar char="•"/>
+            </a:pPr>
+            <a:r>
+              <a:rPr lang="fa-IR" sz="1600" b="0" i="0" dirty="0">
+                <a:effectLst/>
+                <a:latin typeface="IRANYekan"/>
+              </a:rPr>
+              <a:t>عامل هوشمند </a:t>
+            </a:r>
+            <a:r>
+              <a:rPr lang="en-US" sz="1600" b="0" i="0" dirty="0">
+                <a:effectLst/>
+                <a:latin typeface="IRANYekan"/>
+              </a:rPr>
+              <a:t> (</a:t>
+            </a:r>
+            <a:r>
+              <a:rPr lang="en-US" sz="1600" b="0" i="1" dirty="0">
+                <a:effectLst/>
+                <a:latin typeface="IRANYekan"/>
+              </a:rPr>
+              <a:t>agent)</a:t>
+            </a:r>
+            <a:r>
+              <a:rPr lang="en-US" sz="1600" b="0" i="0" dirty="0">
+                <a:effectLst/>
+                <a:latin typeface="IRANYekan"/>
+              </a:rPr>
+              <a:t> </a:t>
+            </a:r>
+            <a:r>
+              <a:rPr lang="fa-IR" sz="1600" b="0" i="0" dirty="0">
+                <a:effectLst/>
+                <a:latin typeface="IRANYekan"/>
+              </a:rPr>
+              <a:t>شما هستید که سعی می‌کنید از هزارتو خارج شوید.</a:t>
+            </a:r>
+          </a:p>
+          <a:p>
+            <a:pPr algn="just" rtl="1">
+              <a:buFont typeface="Arial" panose="020B0604020202020204" pitchFamily="34" charset="0"/>
+              <a:buChar char="•"/>
+            </a:pPr>
+            <a:r>
+              <a:rPr lang="fa-IR" sz="1600" b="0" i="0" dirty="0">
+                <a:effectLst/>
+                <a:latin typeface="IRANYekan"/>
+              </a:rPr>
+              <a:t>حالت جاری </a:t>
+            </a:r>
+            <a:r>
+              <a:rPr lang="fa-IR" sz="1600" b="0" i="1" dirty="0">
+                <a:effectLst/>
+                <a:latin typeface="IRANYekan"/>
+              </a:rPr>
+              <a:t>(</a:t>
+            </a:r>
+            <a:r>
+              <a:rPr lang="en-US" sz="1600" b="0" i="1" dirty="0">
+                <a:effectLst/>
+                <a:latin typeface="IRANYekan"/>
+              </a:rPr>
+              <a:t> (state</a:t>
+            </a:r>
+            <a:r>
+              <a:rPr lang="fa-IR" sz="1600" b="0" i="0" dirty="0">
+                <a:effectLst/>
+                <a:latin typeface="IRANYekan"/>
+              </a:rPr>
+              <a:t>مختصات مکان فعلی شما در هزارتو و اطلاعات بیشتری در مورد محیطی که در آن به یادگیری می‌پردازید را نشان می‌دهد.</a:t>
+            </a:r>
+          </a:p>
+          <a:p>
+            <a:pPr algn="just" rtl="1">
+              <a:buFont typeface="Arial" panose="020B0604020202020204" pitchFamily="34" charset="0"/>
+              <a:buChar char="•"/>
+            </a:pPr>
+            <a:r>
+              <a:rPr lang="fa-IR" sz="1600" b="0" i="0" dirty="0">
+                <a:effectLst/>
+                <a:latin typeface="IRANYekan"/>
+              </a:rPr>
+              <a:t>حرکت یا عمل </a:t>
+            </a:r>
+            <a:r>
+              <a:rPr lang="en-US" sz="1600" b="0" i="0" dirty="0">
+                <a:effectLst/>
+                <a:latin typeface="IRANYekan"/>
+              </a:rPr>
+              <a:t> (</a:t>
+            </a:r>
+            <a:r>
+              <a:rPr lang="en-US" sz="1600" b="0" i="1" dirty="0">
+                <a:effectLst/>
+                <a:latin typeface="IRANYekan"/>
+              </a:rPr>
+              <a:t>action)</a:t>
+            </a:r>
+            <a:r>
+              <a:rPr lang="en-US" sz="1600" b="0" i="0" dirty="0">
+                <a:effectLst/>
+                <a:latin typeface="IRANYekan"/>
+              </a:rPr>
+              <a:t> </a:t>
+            </a:r>
+            <a:r>
+              <a:rPr lang="fa-IR" sz="1600" b="0" i="0" dirty="0">
+                <a:effectLst/>
+                <a:latin typeface="IRANYekan"/>
+              </a:rPr>
+              <a:t>گامی است که در یک جهت برمی‌دارید.</a:t>
+            </a:r>
+          </a:p>
+          <a:p>
+            <a:pPr algn="just" rtl="1">
+              <a:buFont typeface="Arial" panose="020B0604020202020204" pitchFamily="34" charset="0"/>
+              <a:buChar char="•"/>
+            </a:pPr>
+            <a:r>
+              <a:rPr lang="fa-IR" sz="1600" b="0" i="0" dirty="0">
+                <a:effectLst/>
+                <a:latin typeface="IRANYekan"/>
+              </a:rPr>
+              <a:t>بازخورد </a:t>
+            </a:r>
+            <a:r>
+              <a:rPr lang="en-US" sz="1600" b="0" i="1" dirty="0">
+                <a:effectLst/>
+                <a:latin typeface="IRANYekan"/>
+              </a:rPr>
+              <a:t> (reward)</a:t>
+            </a:r>
+            <a:r>
+              <a:rPr lang="en-US" sz="1600" b="0" i="0" dirty="0">
+                <a:effectLst/>
+                <a:latin typeface="IRANYekan"/>
+              </a:rPr>
+              <a:t> </a:t>
+            </a:r>
+            <a:r>
+              <a:rPr lang="fa-IR" sz="1600" b="0" i="0" dirty="0">
+                <a:effectLst/>
+                <a:latin typeface="IRANYekan"/>
+              </a:rPr>
+              <a:t>امتیاز مثبت یا منفی‌ای است که دریافت می‌کنید تا بفهمید آیا در مسیر درستی قرار دارید یا نه!</a:t>
+            </a:r>
+          </a:p>
+          <a:p>
+            <a:pPr algn="just" rtl="1">
+              <a:buFont typeface="Arial" panose="020B0604020202020204" pitchFamily="34" charset="0"/>
+              <a:buChar char="•"/>
+            </a:pPr>
+            <a:r>
+              <a:rPr lang="fa-IR" sz="1600" b="0" i="0" dirty="0">
+                <a:effectLst/>
+                <a:latin typeface="IRANYekan"/>
+              </a:rPr>
+              <a:t>خط‌مشی</a:t>
+            </a:r>
+            <a:r>
+              <a:rPr lang="en-US" sz="1600" b="0" i="0" dirty="0">
+                <a:effectLst/>
+                <a:latin typeface="IRANYekan"/>
+              </a:rPr>
+              <a:t> (</a:t>
+            </a:r>
+            <a:r>
+              <a:rPr lang="en-US" sz="1600" b="0" i="1" dirty="0">
+                <a:effectLst/>
+                <a:latin typeface="IRANYekan"/>
+              </a:rPr>
+              <a:t>policy)</a:t>
+            </a:r>
+            <a:r>
+              <a:rPr lang="en-US" sz="1600" b="0" i="0" dirty="0">
+                <a:effectLst/>
+                <a:latin typeface="IRANYekan"/>
+              </a:rPr>
+              <a:t> </a:t>
+            </a:r>
+            <a:r>
+              <a:rPr lang="fa-IR" sz="1600" b="0" i="0" dirty="0">
+                <a:effectLst/>
+                <a:latin typeface="IRANYekan"/>
+              </a:rPr>
+              <a:t>مشخص می‌کند که در هر حالت چه عملی را انتخاب کنید تا بهترین پاداش را بگیرید.</a:t>
+            </a:r>
+          </a:p>
+          <a:p>
+            <a:pPr algn="r" rtl="1"/>
+            <a:endParaRPr lang="en-US" sz="2400" dirty="0"/>
+          </a:p>
+        </p:txBody>
+      </p:sp>
+      <p:pic>
+        <p:nvPicPr>
+          <p:cNvPr id="1026" name="Picture 2" descr="یادگیری تقویتی">
+            <a:extLst>
+              <a:ext uri="{FF2B5EF4-FFF2-40B4-BE49-F238E27FC236}">
+                <a16:creationId xmlns:a16="http://schemas.microsoft.com/office/drawing/2014/main" id="{34F5ED31-F803-4EB5-5B1D-D8CCFD653CB6}"/>
+              </a:ext>
+            </a:extLst>
+          </p:cNvPr>
+          <p:cNvPicPr>
+            <a:picLocks noChangeAspect="1" noChangeArrowheads="1"/>
+          </p:cNvPicPr>
+          <p:nvPr/>
+        </p:nvPicPr>
+        <p:blipFill>
+          <a:blip r:embed="rId2">
+            <a:extLst>
+              <a:ext uri="{28A0092B-C50C-407E-A947-70E740481C1C}">
+                <a14:useLocalDpi xmlns:a14="http://schemas.microsoft.com/office/drawing/2010/main" val="0"/>
+              </a:ext>
+            </a:extLst>
+          </a:blip>
+          <a:srcRect/>
+          <a:stretch>
+            <a:fillRect/>
+          </a:stretch>
+        </p:blipFill>
+        <p:spPr bwMode="auto">
+          <a:xfrm>
+            <a:off x="83127" y="3980874"/>
+            <a:ext cx="3694546" cy="2827628"/>
+          </a:xfrm>
+          <a:prstGeom prst="rect">
+            <a:avLst/>
+          </a:prstGeom>
+          <a:noFill/>
+          <a:extLst>
+            <a:ext uri="{909E8E84-426E-40DD-AFC4-6F175D3DCCD1}">
+              <a14:hiddenFill xmlns:a14="http://schemas.microsoft.com/office/drawing/2010/main">
+                <a:solidFill>
+                  <a:srgbClr val="FFFFFF"/>
+                </a:solidFill>
+              </a14:hiddenFill>
+            </a:ext>
+          </a:extLst>
+        </p:spPr>
+      </p:pic>
     </p:spTree>
     <p:extLst>
       <p:ext uri="{BB962C8B-B14F-4D97-AF65-F5344CB8AC3E}">
         <p14:creationId xmlns:p14="http://schemas.microsoft.com/office/powerpoint/2010/main" val="642179663"/>
+      </p:ext>
+    </p:extLst>
+  </p:cSld>
+  <p:clrMapOvr>
+    <a:masterClrMapping/>
+  </p:clrMapOvr>
+</p:sld>
+</file>
+
+<file path=ppt/slides/slide13.xml><?xml version="1.0" encoding="utf-8"?>
+<p:sld xmlns:a="http://schemas.openxmlformats.org/drawingml/2006/main" xmlns:r="http://schemas.openxmlformats.org/officeDocument/2006/relationships" xmlns:p="http://schemas.openxmlformats.org/presentationml/2006/main">
+  <p:cSld>
+    <p:spTree>
+      <p:nvGrpSpPr>
+        <p:cNvPr id="1" name=""/>
+        <p:cNvGrpSpPr/>
+        <p:nvPr/>
+      </p:nvGrpSpPr>
+      <p:grpSpPr>
+        <a:xfrm>
+          <a:off x="0" y="0"/>
+          <a:ext cx="0" cy="0"/>
+          <a:chOff x="0" y="0"/>
+          <a:chExt cx="0" cy="0"/>
+        </a:xfrm>
+      </p:grpSpPr>
+      <p:sp>
+        <p:nvSpPr>
+          <p:cNvPr id="2" name="Title 1">
+            <a:extLst>
+              <a:ext uri="{FF2B5EF4-FFF2-40B4-BE49-F238E27FC236}">
+                <a16:creationId xmlns:a16="http://schemas.microsoft.com/office/drawing/2014/main" id="{BA5EE7C2-3EDB-9137-5040-F8F28863BCF7}"/>
+              </a:ext>
+            </a:extLst>
+          </p:cNvPr>
+          <p:cNvSpPr>
+            <a:spLocks noGrp="1"/>
+          </p:cNvSpPr>
+          <p:nvPr>
+            <p:ph type="title"/>
+          </p:nvPr>
+        </p:nvSpPr>
+        <p:spPr/>
+        <p:txBody>
+          <a:bodyPr/>
+          <a:lstStyle/>
+          <a:p>
+            <a:endParaRPr lang="en-US"/>
+          </a:p>
+        </p:txBody>
+      </p:sp>
+      <p:sp>
+        <p:nvSpPr>
+          <p:cNvPr id="3" name="Content Placeholder 2">
+            <a:extLst>
+              <a:ext uri="{FF2B5EF4-FFF2-40B4-BE49-F238E27FC236}">
+                <a16:creationId xmlns:a16="http://schemas.microsoft.com/office/drawing/2014/main" id="{5DF8EB3C-53B9-6F77-2EF2-92D16C6FDEC4}"/>
+              </a:ext>
+            </a:extLst>
+          </p:cNvPr>
+          <p:cNvSpPr>
+            <a:spLocks noGrp="1"/>
+          </p:cNvSpPr>
+          <p:nvPr>
+            <p:ph idx="1"/>
+          </p:nvPr>
+        </p:nvSpPr>
+        <p:spPr/>
+        <p:txBody>
+          <a:bodyPr/>
+          <a:lstStyle/>
+          <a:p>
+            <a:endParaRPr lang="en-US"/>
+          </a:p>
+        </p:txBody>
+      </p:sp>
+    </p:spTree>
+    <p:extLst>
+      <p:ext uri="{BB962C8B-B14F-4D97-AF65-F5344CB8AC3E}">
+        <p14:creationId xmlns:p14="http://schemas.microsoft.com/office/powerpoint/2010/main" val="107016727"/>
       </p:ext>
     </p:extLst>
   </p:cSld>
@@ -4746,6 +5196,108 @@
           </a:p>
         </p:txBody>
       </p:sp>
+      <mc:AlternateContent xmlns:mc="http://schemas.openxmlformats.org/markup-compatibility/2006">
+        <mc:Choice xmlns:p14="http://schemas.microsoft.com/office/powerpoint/2010/main" Requires="p14">
+          <p:contentPart p14:bwMode="auto" r:id="rId2">
+            <p14:nvContentPartPr>
+              <p14:cNvPr id="7" name="Ink 6">
+                <a:extLst>
+                  <a:ext uri="{FF2B5EF4-FFF2-40B4-BE49-F238E27FC236}">
+                    <a16:creationId xmlns:a16="http://schemas.microsoft.com/office/drawing/2014/main" id="{A72E4717-0742-E6DA-D107-4846DE984AA4}"/>
+                  </a:ext>
+                </a:extLst>
+              </p14:cNvPr>
+              <p14:cNvContentPartPr/>
+              <p14:nvPr/>
+            </p14:nvContentPartPr>
+            <p14:xfrm>
+              <a:off x="-896360" y="341436"/>
+              <a:ext cx="360" cy="360"/>
+            </p14:xfrm>
+          </p:contentPart>
+        </mc:Choice>
+        <mc:Fallback>
+          <p:pic>
+            <p:nvPicPr>
+              <p:cNvPr id="7" name="Ink 6">
+                <a:extLst>
+                  <a:ext uri="{FF2B5EF4-FFF2-40B4-BE49-F238E27FC236}">
+                    <a16:creationId xmlns:a16="http://schemas.microsoft.com/office/drawing/2014/main" id="{A72E4717-0742-E6DA-D107-4846DE984AA4}"/>
+                  </a:ext>
+                </a:extLst>
+              </p:cNvPr>
+              <p:cNvPicPr/>
+              <p:nvPr/>
+            </p:nvPicPr>
+            <p:blipFill>
+              <a:blip r:embed="rId3"/>
+              <a:stretch>
+                <a:fillRect/>
+              </a:stretch>
+            </p:blipFill>
+            <p:spPr>
+              <a:xfrm>
+                <a:off x="-950000" y="233436"/>
+                <a:ext cx="108000" cy="216000"/>
+              </a:xfrm>
+              <a:prstGeom prst="rect">
+                <a:avLst/>
+              </a:prstGeom>
+            </p:spPr>
+          </p:pic>
+        </mc:Fallback>
+      </mc:AlternateContent>
+      <mc:AlternateContent xmlns:mc="http://schemas.openxmlformats.org/markup-compatibility/2006">
+        <mc:Choice xmlns:p14="http://schemas.microsoft.com/office/powerpoint/2010/main" Requires="p14">
+          <p:contentPart p14:bwMode="auto" r:id="rId4">
+            <p14:nvContentPartPr>
+              <p14:cNvPr id="8" name="Ink 7">
+                <a:extLst>
+                  <a:ext uri="{FF2B5EF4-FFF2-40B4-BE49-F238E27FC236}">
+                    <a16:creationId xmlns:a16="http://schemas.microsoft.com/office/drawing/2014/main" id="{BF64C7ED-153C-2246-42E7-DFE8E817D577}"/>
+                  </a:ext>
+                </a:extLst>
+              </p14:cNvPr>
+              <p14:cNvContentPartPr/>
+              <p14:nvPr/>
+            </p14:nvContentPartPr>
+            <p14:xfrm>
+              <a:off x="-896360" y="341436"/>
+              <a:ext cx="360" cy="360"/>
+            </p14:xfrm>
+          </p:contentPart>
+        </mc:Choice>
+        <mc:Fallback>
+          <p:pic>
+            <p:nvPicPr>
+              <p:cNvPr id="8" name="Ink 7">
+                <a:extLst>
+                  <a:ext uri="{FF2B5EF4-FFF2-40B4-BE49-F238E27FC236}">
+                    <a16:creationId xmlns:a16="http://schemas.microsoft.com/office/drawing/2014/main" id="{BF64C7ED-153C-2246-42E7-DFE8E817D577}"/>
+                  </a:ext>
+                </a:extLst>
+              </p:cNvPr>
+              <p:cNvPicPr/>
+              <p:nvPr/>
+            </p:nvPicPr>
+            <p:blipFill>
+              <a:blip r:embed="rId5"/>
+              <a:stretch>
+                <a:fillRect/>
+              </a:stretch>
+            </p:blipFill>
+            <p:spPr>
+              <a:xfrm>
+                <a:off x="-950000" y="233436"/>
+                <a:ext cx="108000" cy="216000"/>
+              </a:xfrm>
+              <a:prstGeom prst="rect">
+                <a:avLst/>
+              </a:prstGeom>
+            </p:spPr>
+          </p:pic>
+        </mc:Fallback>
+      </mc:AlternateContent>
     </p:spTree>
     <p:extLst>
       <p:ext uri="{BB962C8B-B14F-4D97-AF65-F5344CB8AC3E}">

--- a/machin learning s1.pptx
+++ b/machin learning s1.pptx
@@ -18,6 +18,10 @@
     <p:sldId id="266" r:id="rId12"/>
     <p:sldId id="267" r:id="rId13"/>
     <p:sldId id="268" r:id="rId14"/>
+    <p:sldId id="269" r:id="rId15"/>
+    <p:sldId id="270" r:id="rId16"/>
+    <p:sldId id="271" r:id="rId17"/>
+    <p:sldId id="272" r:id="rId18"/>
   </p:sldIdLst>
   <p:sldSz cx="12192000" cy="6858000"/>
   <p:notesSz cx="6858000" cy="9144000"/>
@@ -4506,7 +4510,11 @@
           <a:bodyPr/>
           <a:lstStyle/>
           <a:p>
-            <a:endParaRPr lang="en-US"/>
+            <a:r>
+              <a:rPr lang="fa-IR" dirty="0"/>
+              <a:t>چالش های الگوریتمی</a:t>
+            </a:r>
+            <a:endParaRPr lang="en-US" dirty="0"/>
           </a:p>
         </p:txBody>
       </p:sp>
@@ -4528,10 +4536,55 @@
         </p:nvSpPr>
         <p:spPr/>
         <p:txBody>
-          <a:bodyPr/>
-          <a:lstStyle/>
-          <a:p>
-            <a:endParaRPr lang="en-US"/>
+          <a:bodyPr>
+            <a:normAutofit/>
+          </a:bodyPr>
+          <a:lstStyle/>
+          <a:p>
+            <a:pPr algn="r" rtl="1"/>
+            <a:r>
+              <a:rPr lang="fa-IR" sz="2400" dirty="0"/>
+              <a:t>به صورت کلی این نوع مشکلا به سه مسله تقسیم می شود </a:t>
+            </a:r>
+          </a:p>
+          <a:p>
+            <a:pPr marL="457200" indent="-457200" algn="r" rtl="1">
+              <a:buFont typeface="+mj-lt"/>
+              <a:buAutoNum type="arabicPeriod"/>
+            </a:pPr>
+            <a:r>
+              <a:rPr lang="en-US" sz="2400" dirty="0">
+                <a:hlinkClick r:id="rId2" action="ppaction://hlinksldjump"/>
+              </a:rPr>
+              <a:t>Overfitting</a:t>
+            </a:r>
+            <a:endParaRPr lang="en-US" sz="2400" dirty="0"/>
+          </a:p>
+          <a:p>
+            <a:pPr marL="457200" indent="-457200" algn="r" rtl="1">
+              <a:buFont typeface="+mj-lt"/>
+              <a:buAutoNum type="arabicPeriod"/>
+            </a:pPr>
+            <a:r>
+              <a:rPr lang="en-US" sz="2400" dirty="0">
+                <a:hlinkClick r:id="rId3" action="ppaction://hlinksldjump"/>
+              </a:rPr>
+              <a:t>Underfitting</a:t>
+            </a:r>
+            <a:endParaRPr lang="en-US" sz="2400" dirty="0"/>
+          </a:p>
+          <a:p>
+            <a:pPr marL="457200" indent="-457200" algn="r" rtl="1">
+              <a:buFont typeface="+mj-lt"/>
+              <a:buAutoNum type="arabicPeriod"/>
+            </a:pPr>
+            <a:r>
+              <a:rPr lang="fa-IR" sz="2400" dirty="0">
+                <a:hlinkClick r:id="rId4" action="ppaction://hlinksldjump"/>
+              </a:rPr>
+              <a:t>زمان </a:t>
+            </a:r>
+            <a:endParaRPr lang="en-US" sz="2400" dirty="0"/>
           </a:p>
         </p:txBody>
       </p:sp>
@@ -4539,6 +4592,453 @@
     <p:extLst>
       <p:ext uri="{BB962C8B-B14F-4D97-AF65-F5344CB8AC3E}">
         <p14:creationId xmlns:p14="http://schemas.microsoft.com/office/powerpoint/2010/main" val="107016727"/>
+      </p:ext>
+    </p:extLst>
+  </p:cSld>
+  <p:clrMapOvr>
+    <a:masterClrMapping/>
+  </p:clrMapOvr>
+</p:sld>
+</file>
+
+<file path=ppt/slides/slide14.xml><?xml version="1.0" encoding="utf-8"?>
+<p:sld xmlns:a="http://schemas.openxmlformats.org/drawingml/2006/main" xmlns:r="http://schemas.openxmlformats.org/officeDocument/2006/relationships" xmlns:p="http://schemas.openxmlformats.org/presentationml/2006/main">
+  <p:cSld>
+    <p:spTree>
+      <p:nvGrpSpPr>
+        <p:cNvPr id="1" name=""/>
+        <p:cNvGrpSpPr/>
+        <p:nvPr/>
+      </p:nvGrpSpPr>
+      <p:grpSpPr>
+        <a:xfrm>
+          <a:off x="0" y="0"/>
+          <a:ext cx="0" cy="0"/>
+          <a:chOff x="0" y="0"/>
+          <a:chExt cx="0" cy="0"/>
+        </a:xfrm>
+      </p:grpSpPr>
+      <p:sp>
+        <p:nvSpPr>
+          <p:cNvPr id="2" name="Title 1">
+            <a:extLst>
+              <a:ext uri="{FF2B5EF4-FFF2-40B4-BE49-F238E27FC236}">
+                <a16:creationId xmlns:a16="http://schemas.microsoft.com/office/drawing/2014/main" id="{B74D10E9-C725-76B7-CF41-F99B7006F9DA}"/>
+              </a:ext>
+            </a:extLst>
+          </p:cNvPr>
+          <p:cNvSpPr>
+            <a:spLocks noGrp="1"/>
+          </p:cNvSpPr>
+          <p:nvPr>
+            <p:ph type="title"/>
+          </p:nvPr>
+        </p:nvSpPr>
+        <p:spPr/>
+        <p:txBody>
+          <a:bodyPr>
+            <a:normAutofit fontScale="90000"/>
+          </a:bodyPr>
+          <a:lstStyle/>
+          <a:p>
+            <a:r>
+              <a:rPr lang="en-US" sz="4800" dirty="0">
+                <a:hlinkClick r:id="rId2" action="ppaction://hlinksldjump"/>
+              </a:rPr>
+              <a:t>Overfitting</a:t>
+            </a:r>
+            <a:br>
+              <a:rPr lang="en-US" sz="4800" dirty="0"/>
+            </a:br>
+            <a:endParaRPr lang="en-US" dirty="0"/>
+          </a:p>
+        </p:txBody>
+      </p:sp>
+      <p:sp>
+        <p:nvSpPr>
+          <p:cNvPr id="3" name="Content Placeholder 2">
+            <a:extLst>
+              <a:ext uri="{FF2B5EF4-FFF2-40B4-BE49-F238E27FC236}">
+                <a16:creationId xmlns:a16="http://schemas.microsoft.com/office/drawing/2014/main" id="{C34703EF-23DA-2DCD-AE93-9B76C91446C3}"/>
+              </a:ext>
+            </a:extLst>
+          </p:cNvPr>
+          <p:cNvSpPr>
+            <a:spLocks noGrp="1"/>
+          </p:cNvSpPr>
+          <p:nvPr>
+            <p:ph idx="1"/>
+          </p:nvPr>
+        </p:nvSpPr>
+        <p:spPr/>
+        <p:txBody>
+          <a:bodyPr>
+            <a:normAutofit/>
+          </a:bodyPr>
+          <a:lstStyle/>
+          <a:p>
+            <a:pPr algn="r" rtl="1"/>
+            <a:r>
+              <a:rPr lang="fa-IR" sz="2400" b="0" i="0" dirty="0">
+                <a:effectLst/>
+                <a:latin typeface="IRANYekan"/>
+              </a:rPr>
+              <a:t>هدف ما در یادگیری‌ماشین این است که با مشاهده و یادگیری از داده‌های گذشته، آینده را پیش‌بینی کنیم. وقتی دچار </a:t>
+            </a:r>
+            <a:r>
+              <a:rPr lang="en-US" sz="2400" b="0" i="1" dirty="0">
+                <a:effectLst/>
+                <a:latin typeface="IRANYekan"/>
+              </a:rPr>
+              <a:t>Overfitting</a:t>
+            </a:r>
+            <a:r>
+              <a:rPr lang="en-US" sz="2400" b="0" i="0" dirty="0">
+                <a:effectLst/>
+                <a:latin typeface="IRANYekan"/>
+              </a:rPr>
+              <a:t> </a:t>
+            </a:r>
+            <a:r>
+              <a:rPr lang="fa-IR" sz="2400" b="0" i="0" dirty="0">
+                <a:effectLst/>
+                <a:latin typeface="IRANYekan"/>
+              </a:rPr>
+              <a:t>می‌شویم در حقیقت مدل عمومیت خود را از دست داده است؛ به عبارت بهتر مدل نمی‌تواند آینده را به درستی پیش‌بینی کند. علت عدم توانایی در پیش‌بینی آینده این است که داده‌های آموزش را زیاد از حد یاد گرفته است.</a:t>
+            </a:r>
+            <a:endParaRPr lang="en-US" sz="2400" dirty="0"/>
+          </a:p>
+        </p:txBody>
+      </p:sp>
+    </p:spTree>
+    <p:extLst>
+      <p:ext uri="{BB962C8B-B14F-4D97-AF65-F5344CB8AC3E}">
+        <p14:creationId xmlns:p14="http://schemas.microsoft.com/office/powerpoint/2010/main" val="3725048656"/>
+      </p:ext>
+    </p:extLst>
+  </p:cSld>
+  <p:clrMapOvr>
+    <a:masterClrMapping/>
+  </p:clrMapOvr>
+</p:sld>
+</file>
+
+<file path=ppt/slides/slide15.xml><?xml version="1.0" encoding="utf-8"?>
+<p:sld xmlns:a="http://schemas.openxmlformats.org/drawingml/2006/main" xmlns:r="http://schemas.openxmlformats.org/officeDocument/2006/relationships" xmlns:p="http://schemas.openxmlformats.org/presentationml/2006/main">
+  <p:cSld>
+    <p:spTree>
+      <p:nvGrpSpPr>
+        <p:cNvPr id="1" name=""/>
+        <p:cNvGrpSpPr/>
+        <p:nvPr/>
+      </p:nvGrpSpPr>
+      <p:grpSpPr>
+        <a:xfrm>
+          <a:off x="0" y="0"/>
+          <a:ext cx="0" cy="0"/>
+          <a:chOff x="0" y="0"/>
+          <a:chExt cx="0" cy="0"/>
+        </a:xfrm>
+      </p:grpSpPr>
+      <p:sp>
+        <p:nvSpPr>
+          <p:cNvPr id="2" name="Title 1">
+            <a:extLst>
+              <a:ext uri="{FF2B5EF4-FFF2-40B4-BE49-F238E27FC236}">
+                <a16:creationId xmlns:a16="http://schemas.microsoft.com/office/drawing/2014/main" id="{254404DC-7AB8-90C5-D9F2-4A6C17B74749}"/>
+              </a:ext>
+            </a:extLst>
+          </p:cNvPr>
+          <p:cNvSpPr>
+            <a:spLocks noGrp="1"/>
+          </p:cNvSpPr>
+          <p:nvPr>
+            <p:ph type="title"/>
+          </p:nvPr>
+        </p:nvSpPr>
+        <p:spPr/>
+        <p:txBody>
+          <a:bodyPr>
+            <a:normAutofit fontScale="90000"/>
+          </a:bodyPr>
+          <a:lstStyle/>
+          <a:p>
+            <a:r>
+              <a:rPr lang="en-US" sz="4800" dirty="0">
+                <a:hlinkClick r:id="rId2" action="ppaction://hlinksldjump"/>
+              </a:rPr>
+              <a:t>Underfitting</a:t>
+            </a:r>
+            <a:br>
+              <a:rPr lang="en-US" sz="4800" dirty="0"/>
+            </a:br>
+            <a:endParaRPr lang="en-US" dirty="0"/>
+          </a:p>
+        </p:txBody>
+      </p:sp>
+      <p:sp>
+        <p:nvSpPr>
+          <p:cNvPr id="3" name="Content Placeholder 2">
+            <a:extLst>
+              <a:ext uri="{FF2B5EF4-FFF2-40B4-BE49-F238E27FC236}">
+                <a16:creationId xmlns:a16="http://schemas.microsoft.com/office/drawing/2014/main" id="{D01C7F16-E3DF-0D09-7EE0-1D985B6B307D}"/>
+              </a:ext>
+            </a:extLst>
+          </p:cNvPr>
+          <p:cNvSpPr>
+            <a:spLocks noGrp="1"/>
+          </p:cNvSpPr>
+          <p:nvPr>
+            <p:ph idx="1"/>
+          </p:nvPr>
+        </p:nvSpPr>
+        <p:spPr/>
+        <p:txBody>
+          <a:bodyPr>
+            <a:normAutofit/>
+          </a:bodyPr>
+          <a:lstStyle/>
+          <a:p>
+            <a:pPr algn="just" rtl="1"/>
+            <a:r>
+              <a:rPr lang="fa-IR" sz="2400" b="0" i="0" dirty="0">
+                <a:effectLst/>
+                <a:latin typeface="IRANYekan"/>
+              </a:rPr>
+              <a:t>این مشکل وقتی به‌وجود می‌آید که مدل نتواند به خوبی از دادگان آموزش، یاد بگیرد. این مسئله می‌تواند به دلایل مختلفی پیش بیاید. </a:t>
+            </a:r>
+            <a:r>
+              <a:rPr lang="fa-IR" sz="2400" b="1" i="0" dirty="0">
+                <a:effectLst/>
+                <a:latin typeface="IRANYekan"/>
+              </a:rPr>
+              <a:t>داده نامناسب</a:t>
+            </a:r>
+            <a:r>
+              <a:rPr lang="fa-IR" sz="2400" b="0" i="0" dirty="0">
+                <a:effectLst/>
+                <a:latin typeface="IRANYekan"/>
+              </a:rPr>
+              <a:t> یکی از چندین دلیل کم‌برازش است.</a:t>
+            </a:r>
+          </a:p>
+          <a:p>
+            <a:pPr algn="just" rtl="1"/>
+            <a:r>
+              <a:rPr lang="fa-IR" sz="2400" b="0" i="0" dirty="0">
+                <a:effectLst/>
+                <a:latin typeface="IRANYekan"/>
+              </a:rPr>
+              <a:t>منظور از </a:t>
+            </a:r>
+            <a:r>
+              <a:rPr lang="fa-IR" sz="2400" b="1" i="0" dirty="0">
+                <a:effectLst/>
+                <a:latin typeface="IRANYekan"/>
+              </a:rPr>
+              <a:t>داده نامناسب</a:t>
+            </a:r>
+            <a:r>
+              <a:rPr lang="fa-IR" sz="2400" b="0" i="0" dirty="0">
+                <a:effectLst/>
+                <a:latin typeface="IRANYekan"/>
+              </a:rPr>
+              <a:t> آن است که داده به قدری بی‌کیفیت است که اطلاعات دقیق و جامعی از هدفی که قصد مدل کردن آن را داریم به دست نمی‌دهد.</a:t>
+            </a:r>
+          </a:p>
+          <a:p>
+            <a:pPr algn="r" rtl="1"/>
+            <a:endParaRPr lang="en-US" sz="2400" dirty="0"/>
+          </a:p>
+        </p:txBody>
+      </p:sp>
+    </p:spTree>
+    <p:extLst>
+      <p:ext uri="{BB962C8B-B14F-4D97-AF65-F5344CB8AC3E}">
+        <p14:creationId xmlns:p14="http://schemas.microsoft.com/office/powerpoint/2010/main" val="1656972928"/>
+      </p:ext>
+    </p:extLst>
+  </p:cSld>
+  <p:clrMapOvr>
+    <a:masterClrMapping/>
+  </p:clrMapOvr>
+</p:sld>
+</file>
+
+<file path=ppt/slides/slide16.xml><?xml version="1.0" encoding="utf-8"?>
+<p:sld xmlns:a="http://schemas.openxmlformats.org/drawingml/2006/main" xmlns:r="http://schemas.openxmlformats.org/officeDocument/2006/relationships" xmlns:p="http://schemas.openxmlformats.org/presentationml/2006/main">
+  <p:cSld>
+    <p:spTree>
+      <p:nvGrpSpPr>
+        <p:cNvPr id="1" name=""/>
+        <p:cNvGrpSpPr/>
+        <p:nvPr/>
+      </p:nvGrpSpPr>
+      <p:grpSpPr>
+        <a:xfrm>
+          <a:off x="0" y="0"/>
+          <a:ext cx="0" cy="0"/>
+          <a:chOff x="0" y="0"/>
+          <a:chExt cx="0" cy="0"/>
+        </a:xfrm>
+      </p:grpSpPr>
+      <p:sp>
+        <p:nvSpPr>
+          <p:cNvPr id="2" name="Title 1">
+            <a:extLst>
+              <a:ext uri="{FF2B5EF4-FFF2-40B4-BE49-F238E27FC236}">
+                <a16:creationId xmlns:a16="http://schemas.microsoft.com/office/drawing/2014/main" id="{E331EF3C-155E-7F76-AD6F-99C3FBE8DA3D}"/>
+              </a:ext>
+            </a:extLst>
+          </p:cNvPr>
+          <p:cNvSpPr>
+            <a:spLocks noGrp="1"/>
+          </p:cNvSpPr>
+          <p:nvPr>
+            <p:ph type="title"/>
+          </p:nvPr>
+        </p:nvSpPr>
+        <p:spPr/>
+        <p:txBody>
+          <a:bodyPr>
+            <a:normAutofit fontScale="90000"/>
+          </a:bodyPr>
+          <a:lstStyle/>
+          <a:p>
+            <a:r>
+              <a:rPr lang="fa-IR" sz="4800" dirty="0">
+                <a:hlinkClick r:id="rId2" action="ppaction://hlinksldjump"/>
+              </a:rPr>
+              <a:t>زمان </a:t>
+            </a:r>
+            <a:br>
+              <a:rPr lang="en-US" sz="4800" dirty="0">
+                <a:hlinkClick r:id="rId2" action="ppaction://hlinksldjump"/>
+              </a:rPr>
+            </a:br>
+            <a:endParaRPr lang="en-US" dirty="0"/>
+          </a:p>
+        </p:txBody>
+      </p:sp>
+      <p:sp>
+        <p:nvSpPr>
+          <p:cNvPr id="3" name="Content Placeholder 2">
+            <a:extLst>
+              <a:ext uri="{FF2B5EF4-FFF2-40B4-BE49-F238E27FC236}">
+                <a16:creationId xmlns:a16="http://schemas.microsoft.com/office/drawing/2014/main" id="{3BF6C5DC-8B41-D690-3198-6C39F1FA649F}"/>
+              </a:ext>
+            </a:extLst>
+          </p:cNvPr>
+          <p:cNvSpPr>
+            <a:spLocks noGrp="1"/>
+          </p:cNvSpPr>
+          <p:nvPr>
+            <p:ph idx="1"/>
+          </p:nvPr>
+        </p:nvSpPr>
+        <p:spPr/>
+        <p:txBody>
+          <a:bodyPr>
+            <a:normAutofit/>
+          </a:bodyPr>
+          <a:lstStyle/>
+          <a:p>
+            <a:pPr algn="r" rtl="1"/>
+            <a:r>
+              <a:rPr lang="fa-IR" sz="2400" b="0" i="0" dirty="0">
+                <a:effectLst/>
+                <a:latin typeface="IRANYekan"/>
+              </a:rPr>
+              <a:t>زمان در یادگیری‌ماشین از دو جهت اهمیت دارد؛ هم مدت زمانی که طول می‌کشد تا آموزش مدل تمام شود، هم زمانی که مدل برای پیش‌بینی نمونه‌ها مصرف می‌کند. مدت زمانی که طول می‌کشد تا آموزش مدل تمام شود، طول مدت توسعه محصول را تحت تاثیر قرار می‌دهد و زمان مصرفی توسط مدل برای پیش‌بینی نمونه‌ها زمانی است که کاربر‌ نهایی تجربه می‌کند. دانشمند داده همواره سعی می‌کند هر دو زمان را کمینه کند.</a:t>
+            </a:r>
+            <a:endParaRPr lang="en-US" sz="2400" dirty="0"/>
+          </a:p>
+        </p:txBody>
+      </p:sp>
+    </p:spTree>
+    <p:extLst>
+      <p:ext uri="{BB962C8B-B14F-4D97-AF65-F5344CB8AC3E}">
+        <p14:creationId xmlns:p14="http://schemas.microsoft.com/office/powerpoint/2010/main" val="3174143418"/>
+      </p:ext>
+    </p:extLst>
+  </p:cSld>
+  <p:clrMapOvr>
+    <a:masterClrMapping/>
+  </p:clrMapOvr>
+</p:sld>
+</file>
+
+<file path=ppt/slides/slide17.xml><?xml version="1.0" encoding="utf-8"?>
+<p:sld xmlns:a="http://schemas.openxmlformats.org/drawingml/2006/main" xmlns:r="http://schemas.openxmlformats.org/officeDocument/2006/relationships" xmlns:p="http://schemas.openxmlformats.org/presentationml/2006/main">
+  <p:cSld>
+    <p:spTree>
+      <p:nvGrpSpPr>
+        <p:cNvPr id="1" name=""/>
+        <p:cNvGrpSpPr/>
+        <p:nvPr/>
+      </p:nvGrpSpPr>
+      <p:grpSpPr>
+        <a:xfrm>
+          <a:off x="0" y="0"/>
+          <a:ext cx="0" cy="0"/>
+          <a:chOff x="0" y="0"/>
+          <a:chExt cx="0" cy="0"/>
+        </a:xfrm>
+      </p:grpSpPr>
+      <p:sp>
+        <p:nvSpPr>
+          <p:cNvPr id="2" name="Title 1">
+            <a:extLst>
+              <a:ext uri="{FF2B5EF4-FFF2-40B4-BE49-F238E27FC236}">
+                <a16:creationId xmlns:a16="http://schemas.microsoft.com/office/drawing/2014/main" id="{E5BC8266-F161-F598-C1B8-911CC0C8AEDA}"/>
+              </a:ext>
+            </a:extLst>
+          </p:cNvPr>
+          <p:cNvSpPr>
+            <a:spLocks noGrp="1"/>
+          </p:cNvSpPr>
+          <p:nvPr>
+            <p:ph type="title"/>
+          </p:nvPr>
+        </p:nvSpPr>
+        <p:spPr/>
+        <p:txBody>
+          <a:bodyPr/>
+          <a:lstStyle/>
+          <a:p>
+            <a:endParaRPr lang="en-US"/>
+          </a:p>
+        </p:txBody>
+      </p:sp>
+      <p:sp>
+        <p:nvSpPr>
+          <p:cNvPr id="3" name="Content Placeholder 2">
+            <a:extLst>
+              <a:ext uri="{FF2B5EF4-FFF2-40B4-BE49-F238E27FC236}">
+                <a16:creationId xmlns:a16="http://schemas.microsoft.com/office/drawing/2014/main" id="{8B7C0C0F-7CBD-8BC8-A385-E8920F98144E}"/>
+              </a:ext>
+            </a:extLst>
+          </p:cNvPr>
+          <p:cNvSpPr>
+            <a:spLocks noGrp="1"/>
+          </p:cNvSpPr>
+          <p:nvPr>
+            <p:ph idx="1"/>
+          </p:nvPr>
+        </p:nvSpPr>
+        <p:spPr/>
+        <p:txBody>
+          <a:bodyPr/>
+          <a:lstStyle/>
+          <a:p>
+            <a:endParaRPr lang="en-US"/>
+          </a:p>
+        </p:txBody>
+      </p:sp>
+    </p:spTree>
+    <p:extLst>
+      <p:ext uri="{BB962C8B-B14F-4D97-AF65-F5344CB8AC3E}">
+        <p14:creationId xmlns:p14="http://schemas.microsoft.com/office/powerpoint/2010/main" val="77527909"/>
       </p:ext>
     </p:extLst>
   </p:cSld>
@@ -5196,8 +5696,8 @@
           </a:p>
         </p:txBody>
       </p:sp>
-      <mc:AlternateContent xmlns:mc="http://schemas.openxmlformats.org/markup-compatibility/2006">
-        <mc:Choice xmlns:p14="http://schemas.microsoft.com/office/powerpoint/2010/main" Requires="p14">
+      <mc:AlternateContent xmlns:mc="http://schemas.openxmlformats.org/markup-compatibility/2006" xmlns:p14="http://schemas.microsoft.com/office/powerpoint/2010/main">
+        <mc:Choice Requires="p14">
           <p:contentPart p14:bwMode="auto" r:id="rId2">
             <p14:nvContentPartPr>
               <p14:cNvPr id="7" name="Ink 6">
@@ -5216,7 +5716,7 @@
             </p14:xfrm>
           </p:contentPart>
         </mc:Choice>
-        <mc:Fallback>
+        <mc:Fallback xmlns="">
           <p:pic>
             <p:nvPicPr>
               <p:cNvPr id="7" name="Ink 6">
@@ -5247,8 +5747,8 @@
           </p:pic>
         </mc:Fallback>
       </mc:AlternateContent>
-      <mc:AlternateContent xmlns:mc="http://schemas.openxmlformats.org/markup-compatibility/2006">
-        <mc:Choice xmlns:p14="http://schemas.microsoft.com/office/powerpoint/2010/main" Requires="p14">
+      <mc:AlternateContent xmlns:mc="http://schemas.openxmlformats.org/markup-compatibility/2006" xmlns:p14="http://schemas.microsoft.com/office/powerpoint/2010/main">
+        <mc:Choice Requires="p14">
           <p:contentPart p14:bwMode="auto" r:id="rId4">
             <p14:nvContentPartPr>
               <p14:cNvPr id="8" name="Ink 7">
@@ -5267,7 +5767,7 @@
             </p14:xfrm>
           </p:contentPart>
         </mc:Choice>
-        <mc:Fallback>
+        <mc:Fallback xmlns="">
           <p:pic>
             <p:nvPicPr>
               <p:cNvPr id="8" name="Ink 7">
